--- a/zookeeper.pptx
+++ b/zookeeper.pptx
@@ -5,18 +5,27 @@
     <p:sldMasterId id="2147483648" r:id="rId1"/>
   </p:sldMasterIdLst>
   <p:notesMasterIdLst>
-    <p:notesMasterId r:id="rId7"/>
+    <p:notesMasterId r:id="rId9"/>
   </p:notesMasterIdLst>
   <p:sldIdLst>
     <p:sldId id="256" r:id="rId3"/>
     <p:sldId id="257" r:id="rId4"/>
-    <p:sldId id="258" r:id="rId5"/>
-    <p:sldId id="259" r:id="rId6"/>
-    <p:sldId id="260" r:id="rId8"/>
-    <p:sldId id="261" r:id="rId9"/>
-    <p:sldId id="262" r:id="rId10"/>
-    <p:sldId id="263" r:id="rId11"/>
-    <p:sldId id="264" r:id="rId12"/>
+    <p:sldId id="265" r:id="rId5"/>
+    <p:sldId id="266" r:id="rId6"/>
+    <p:sldId id="258" r:id="rId7"/>
+    <p:sldId id="267" r:id="rId8"/>
+    <p:sldId id="269" r:id="rId10"/>
+    <p:sldId id="270" r:id="rId11"/>
+    <p:sldId id="271" r:id="rId12"/>
+    <p:sldId id="272" r:id="rId13"/>
+    <p:sldId id="273" r:id="rId14"/>
+    <p:sldId id="259" r:id="rId15"/>
+    <p:sldId id="268" r:id="rId16"/>
+    <p:sldId id="260" r:id="rId17"/>
+    <p:sldId id="261" r:id="rId18"/>
+    <p:sldId id="262" r:id="rId19"/>
+    <p:sldId id="263" r:id="rId20"/>
+    <p:sldId id="264" r:id="rId21"/>
   </p:sldIdLst>
   <p:sldSz cx="12192000" cy="6858000"/>
   <p:notesSz cx="6858000" cy="9144000"/>
@@ -124,19 +133,36 @@
             <p14:sldId id="257"/>
           </p14:sldIdLst>
         </p14:section>
-        <p14:section name="Zookeeper Introduction" id="{37039990-3d9c-4f7a-8b11-6e911126453d}">
+        <p14:section name="Distributed System" id="{e01c9e6e-e460-41fe-959e-37dbf270b3e1}">
+          <p14:sldIdLst>
+            <p14:sldId id="265"/>
+            <p14:sldId id="266"/>
+          </p14:sldIdLst>
+        </p14:section>
+        <p14:section name="Zookeeper Overview" id="{37039990-3d9c-4f7a-8b11-6e911126453d}">
           <p14:sldIdLst>
             <p14:sldId id="258"/>
+            <p14:sldId id="267"/>
+          </p14:sldIdLst>
+        </p14:section>
+        <p14:section name="Zookeeper data model" id="{3d395f3d-d8b1-46d4-be55-3b576b7be62f}">
+          <p14:sldIdLst>
+            <p14:sldId id="270"/>
+            <p14:sldId id="272"/>
+            <p14:sldId id="273"/>
+            <p14:sldId id="269"/>
+            <p14:sldId id="271"/>
           </p14:sldIdLst>
         </p14:section>
         <p14:section name="Zookeeper Command" id="{e2dde915-4eaf-4cd7-b9c5-5989b611556a}">
           <p14:sldIdLst>
             <p14:sldId id="259"/>
+            <p14:sldId id="268"/>
+            <p14:sldId id="260"/>
             <p14:sldId id="261"/>
             <p14:sldId id="262"/>
             <p14:sldId id="263"/>
             <p14:sldId id="264"/>
-            <p14:sldId id="260"/>
           </p14:sldIdLst>
         </p14:section>
       </p14:sectionLst>
@@ -524,34 +550,51 @@
         <p:txBody>
           <a:bodyPr/>
           <a:p>
-            <a:r>
-              <a:rPr lang="en-US" altLang="zh-CN"/>
-              <a:t>./zkCli.sh </a:t>
-            </a:r>
+            <a:endParaRPr lang="zh-CN" altLang="en-US"/>
+          </a:p>
+          <a:p>
             <a:r>
               <a:rPr lang="zh-CN" altLang="en-US"/>
-              <a:t>打开客户端</a:t>
-            </a:r>
-            <a:endParaRPr lang="zh-CN" altLang="en-US"/>
-          </a:p>
-          <a:p>
-            <a:endParaRPr lang="zh-CN" altLang="en-US"/>
-          </a:p>
-          <a:p>
-            <a:r>
-              <a:rPr lang="en-US" altLang="zh-CN"/>
-              <a:t>help</a:t>
-            </a:r>
+              <a:t>    Sequential Consistency - Updates from a client will be applied in the order that they were sent.</a:t>
+            </a:r>
+            <a:endParaRPr lang="zh-CN" altLang="en-US"/>
+          </a:p>
+          <a:p>
             <a:r>
               <a:rPr lang="zh-CN" altLang="en-US"/>
-              <a:t>命令，输出帮助信息</a:t>
-            </a:r>
-            <a:endParaRPr lang="zh-CN" altLang="en-US"/>
-          </a:p>
-          <a:p>
-            <a:endParaRPr lang="zh-CN" altLang="en-US"/>
-          </a:p>
-          <a:p>
+              <a:t>    Atomicity - Updates either succeed or fail. No partial results.</a:t>
+            </a:r>
+            <a:endParaRPr lang="zh-CN" altLang="en-US"/>
+          </a:p>
+          <a:p>
+            <a:r>
+              <a:rPr lang="zh-CN" altLang="en-US"/>
+              <a:t>    Single System Image - A client will see the same view of the service regardless of the server that it connects to.</a:t>
+            </a:r>
+            <a:endParaRPr lang="zh-CN" altLang="en-US"/>
+          </a:p>
+          <a:p>
+            <a:r>
+              <a:rPr lang="zh-CN" altLang="en-US"/>
+              <a:t>    Reliability - Once an update has been applied, it will persist from that time forward until a client overwrites the update.</a:t>
+            </a:r>
+            <a:endParaRPr lang="zh-CN" altLang="en-US"/>
+          </a:p>
+          <a:p>
+            <a:r>
+              <a:rPr lang="zh-CN" altLang="en-US"/>
+              <a:t>    Timeliness - The clients view of the system is guaranteed to be up-to-date within a certain time bound.</a:t>
+            </a:r>
+            <a:endParaRPr lang="zh-CN" altLang="en-US"/>
+          </a:p>
+          <a:p>
+            <a:endParaRPr lang="zh-CN" altLang="en-US"/>
+          </a:p>
+          <a:p>
+            <a:r>
+              <a:rPr lang="zh-CN" altLang="en-US"/>
+              <a:t>https://zookeeper.apache.org/doc/r3.5.5/zookeeperOver.html#sc_dataModelNameSpace</a:t>
+            </a:r>
             <a:endParaRPr lang="zh-CN" altLang="en-US"/>
           </a:p>
         </p:txBody>
@@ -596,100 +639,7 @@
         <p:txBody>
           <a:bodyPr/>
           <a:p>
-            <a:r>
-              <a:rPr lang="en-US" altLang="zh-CN"/>
-              <a:t>cZxid: Create Znode Transaction ID</a:t>
-            </a:r>
-            <a:endParaRPr lang="en-US" altLang="zh-CN"/>
-          </a:p>
-          <a:p>
-            <a:r>
-              <a:rPr lang="en-US" altLang="zh-CN"/>
-              <a:t>ctime: Create Time</a:t>
-            </a:r>
-            <a:endParaRPr lang="en-US" altLang="zh-CN"/>
-          </a:p>
-          <a:p>
-            <a:endParaRPr lang="en-US" altLang="zh-CN"/>
-          </a:p>
-          <a:p>
-            <a:r>
-              <a:rPr lang="en-US" altLang="zh-CN"/>
-              <a:t>mZxid: Modify Znode Transaction ID</a:t>
-            </a:r>
-            <a:endParaRPr lang="en-US" altLang="zh-CN"/>
-          </a:p>
-          <a:p>
-            <a:r>
-              <a:rPr lang="en-US" altLang="zh-CN"/>
-              <a:t>mtime: Modify Time</a:t>
-            </a:r>
-            <a:endParaRPr lang="en-US" altLang="zh-CN"/>
-          </a:p>
-          <a:p>
-            <a:endParaRPr lang="en-US" altLang="zh-CN"/>
-          </a:p>
-          <a:p>
-            <a:r>
-              <a:rPr lang="en-US" altLang="zh-CN"/>
-              <a:t>pzxid:  </a:t>
-            </a:r>
-            <a:r>
-              <a:rPr lang="en-US"/>
-              <a:t>childer node ID</a:t>
-            </a:r>
-            <a:endParaRPr lang="en-US" altLang="zh-CN"/>
-          </a:p>
-          <a:p>
-            <a:endParaRPr lang="en-US" altLang="zh-CN"/>
-          </a:p>
-          <a:p>
-            <a:r>
-              <a:rPr lang="en-US" altLang="zh-CN"/>
-              <a:t>cversion: create version</a:t>
-            </a:r>
-            <a:endParaRPr lang="en-US" altLang="zh-CN"/>
-          </a:p>
-          <a:p>
-            <a:r>
-              <a:rPr lang="en-US" altLang="zh-CN"/>
-              <a:t>dataVersion: data version</a:t>
-            </a:r>
-            <a:endParaRPr lang="en-US" altLang="zh-CN"/>
-          </a:p>
-          <a:p>
-            <a:r>
-              <a:rPr lang="en-US" altLang="zh-CN"/>
-              <a:t>aclVersion: ACL version</a:t>
-            </a:r>
-            <a:endParaRPr lang="en-US" altLang="zh-CN"/>
-          </a:p>
-          <a:p>
-            <a:r>
-              <a:rPr lang="en-US" altLang="zh-CN"/>
-              <a:t>ephemeralOwner:  ephemeral Owner</a:t>
-            </a:r>
-            <a:endParaRPr lang="en-US" altLang="zh-CN"/>
-          </a:p>
-          <a:p>
-            <a:r>
-              <a:rPr lang="en-US" altLang="zh-CN"/>
-              <a:t>data length: data length of current node.</a:t>
-            </a:r>
-            <a:endParaRPr lang="en-US" altLang="zh-CN"/>
-          </a:p>
-          <a:p>
-            <a:r>
-              <a:rPr lang="en-US" altLang="zh-CN"/>
-              <a:t>numChildren: number of children of current node.</a:t>
-            </a:r>
-            <a:endParaRPr lang="en-US" altLang="zh-CN"/>
-          </a:p>
-          <a:p>
-            <a:endParaRPr lang="en-US" altLang="zh-CN"/>
-          </a:p>
-          <a:p>
-            <a:endParaRPr lang="en-US" altLang="zh-CN"/>
+            <a:endParaRPr lang="zh-CN" altLang="en-US"/>
           </a:p>
         </p:txBody>
       </p:sp>
@@ -702,6 +652,263 @@
 </file>
 
 <file path=ppt/notesSlides/notesSlide3.xml><?xml version="1.0" encoding="utf-8"?>
+<p:notes xmlns:a="http://schemas.openxmlformats.org/drawingml/2006/main" xmlns:r="http://schemas.openxmlformats.org/officeDocument/2006/relationships" xmlns:p="http://schemas.openxmlformats.org/presentationml/2006/main">
+  <p:cSld>
+    <p:spTree>
+      <p:nvGrpSpPr>
+        <p:cNvPr id="1" name=""/>
+        <p:cNvGrpSpPr/>
+        <p:nvPr/>
+      </p:nvGrpSpPr>
+      <p:grpSpPr/>
+      <p:sp>
+        <p:nvSpPr>
+          <p:cNvPr id="2" name="幻灯片图像占位符 1"/>
+          <p:cNvSpPr/>
+          <p:nvPr>
+            <p:ph type="sldImg" idx="2"/>
+          </p:nvPr>
+        </p:nvSpPr>
+        <p:spPr/>
+      </p:sp>
+      <p:sp>
+        <p:nvSpPr>
+          <p:cNvPr id="3" name="文本占位符 2"/>
+          <p:cNvSpPr/>
+          <p:nvPr>
+            <p:ph type="body" idx="3"/>
+          </p:nvPr>
+        </p:nvSpPr>
+        <p:spPr/>
+        <p:txBody>
+          <a:bodyPr/>
+          <a:p>
+            <a:r>
+              <a:rPr lang="en-US" altLang="zh-CN"/>
+              <a:t>3-2</a:t>
+            </a:r>
+            <a:endParaRPr lang="en-US" altLang="zh-CN"/>
+          </a:p>
+        </p:txBody>
+      </p:sp>
+    </p:spTree>
+  </p:cSld>
+  <p:clrMapOvr>
+    <a:masterClrMapping/>
+  </p:clrMapOvr>
+</p:notes>
+</file>
+
+<file path=ppt/notesSlides/notesSlide4.xml><?xml version="1.0" encoding="utf-8"?>
+<p:notes xmlns:a="http://schemas.openxmlformats.org/drawingml/2006/main" xmlns:r="http://schemas.openxmlformats.org/officeDocument/2006/relationships" xmlns:p="http://schemas.openxmlformats.org/presentationml/2006/main">
+  <p:cSld>
+    <p:spTree>
+      <p:nvGrpSpPr>
+        <p:cNvPr id="1" name=""/>
+        <p:cNvGrpSpPr/>
+        <p:nvPr/>
+      </p:nvGrpSpPr>
+      <p:grpSpPr/>
+      <p:sp>
+        <p:nvSpPr>
+          <p:cNvPr id="2" name="幻灯片图像占位符 1"/>
+          <p:cNvSpPr/>
+          <p:nvPr>
+            <p:ph type="sldImg" idx="2"/>
+          </p:nvPr>
+        </p:nvSpPr>
+        <p:spPr/>
+      </p:sp>
+      <p:sp>
+        <p:nvSpPr>
+          <p:cNvPr id="3" name="文本占位符 2"/>
+          <p:cNvSpPr/>
+          <p:nvPr>
+            <p:ph type="body" idx="3"/>
+          </p:nvPr>
+        </p:nvSpPr>
+        <p:spPr/>
+        <p:txBody>
+          <a:bodyPr/>
+          <a:p>
+            <a:r>
+              <a:rPr lang="en-US" altLang="zh-CN"/>
+              <a:t>./zkCli.sh </a:t>
+            </a:r>
+            <a:r>
+              <a:rPr lang="zh-CN" altLang="en-US"/>
+              <a:t>打开客户端</a:t>
+            </a:r>
+            <a:endParaRPr lang="zh-CN" altLang="en-US"/>
+          </a:p>
+          <a:p>
+            <a:endParaRPr lang="zh-CN" altLang="en-US"/>
+          </a:p>
+          <a:p>
+            <a:r>
+              <a:rPr lang="en-US" altLang="zh-CN"/>
+              <a:t>help</a:t>
+            </a:r>
+            <a:r>
+              <a:rPr lang="zh-CN" altLang="en-US"/>
+              <a:t>命令，输出帮助信息</a:t>
+            </a:r>
+            <a:endParaRPr lang="zh-CN" altLang="en-US"/>
+          </a:p>
+          <a:p>
+            <a:endParaRPr lang="zh-CN" altLang="en-US"/>
+          </a:p>
+          <a:p>
+            <a:endParaRPr lang="zh-CN" altLang="en-US"/>
+          </a:p>
+        </p:txBody>
+      </p:sp>
+    </p:spTree>
+  </p:cSld>
+  <p:clrMapOvr>
+    <a:masterClrMapping/>
+  </p:clrMapOvr>
+</p:notes>
+</file>
+
+<file path=ppt/notesSlides/notesSlide5.xml><?xml version="1.0" encoding="utf-8"?>
+<p:notes xmlns:a="http://schemas.openxmlformats.org/drawingml/2006/main" xmlns:r="http://schemas.openxmlformats.org/officeDocument/2006/relationships" xmlns:p="http://schemas.openxmlformats.org/presentationml/2006/main">
+  <p:cSld>
+    <p:spTree>
+      <p:nvGrpSpPr>
+        <p:cNvPr id="1" name=""/>
+        <p:cNvGrpSpPr/>
+        <p:nvPr/>
+      </p:nvGrpSpPr>
+      <p:grpSpPr/>
+      <p:sp>
+        <p:nvSpPr>
+          <p:cNvPr id="2" name="幻灯片图像占位符 1"/>
+          <p:cNvSpPr/>
+          <p:nvPr>
+            <p:ph type="sldImg" idx="2"/>
+          </p:nvPr>
+        </p:nvSpPr>
+        <p:spPr/>
+      </p:sp>
+      <p:sp>
+        <p:nvSpPr>
+          <p:cNvPr id="3" name="文本占位符 2"/>
+          <p:cNvSpPr/>
+          <p:nvPr>
+            <p:ph type="body" idx="3"/>
+          </p:nvPr>
+        </p:nvSpPr>
+        <p:spPr/>
+        <p:txBody>
+          <a:bodyPr/>
+          <a:p>
+            <a:r>
+              <a:rPr lang="en-US" altLang="zh-CN"/>
+              <a:t>cZxid: Create Znode Transaction ID</a:t>
+            </a:r>
+            <a:endParaRPr lang="en-US" altLang="zh-CN"/>
+          </a:p>
+          <a:p>
+            <a:r>
+              <a:rPr lang="en-US" altLang="zh-CN"/>
+              <a:t>ctime: Create Time</a:t>
+            </a:r>
+            <a:endParaRPr lang="en-US" altLang="zh-CN"/>
+          </a:p>
+          <a:p>
+            <a:endParaRPr lang="en-US" altLang="zh-CN"/>
+          </a:p>
+          <a:p>
+            <a:r>
+              <a:rPr lang="en-US" altLang="zh-CN"/>
+              <a:t>mZxid: Modify Znode Transaction ID</a:t>
+            </a:r>
+            <a:endParaRPr lang="en-US" altLang="zh-CN"/>
+          </a:p>
+          <a:p>
+            <a:r>
+              <a:rPr lang="en-US" altLang="zh-CN"/>
+              <a:t>mtime: Modify Time</a:t>
+            </a:r>
+            <a:endParaRPr lang="en-US" altLang="zh-CN"/>
+          </a:p>
+          <a:p>
+            <a:endParaRPr lang="en-US" altLang="zh-CN"/>
+          </a:p>
+          <a:p>
+            <a:r>
+              <a:rPr lang="en-US" altLang="zh-CN"/>
+              <a:t>pzxid:  </a:t>
+            </a:r>
+            <a:r>
+              <a:rPr lang="en-US"/>
+              <a:t>childer node ID</a:t>
+            </a:r>
+            <a:endParaRPr lang="en-US" altLang="zh-CN"/>
+          </a:p>
+          <a:p>
+            <a:endParaRPr lang="en-US" altLang="zh-CN"/>
+          </a:p>
+          <a:p>
+            <a:r>
+              <a:rPr lang="en-US" altLang="zh-CN"/>
+              <a:t>cversion: create version</a:t>
+            </a:r>
+            <a:endParaRPr lang="en-US" altLang="zh-CN"/>
+          </a:p>
+          <a:p>
+            <a:r>
+              <a:rPr lang="en-US" altLang="zh-CN"/>
+              <a:t>dataVersion: data version</a:t>
+            </a:r>
+            <a:endParaRPr lang="en-US" altLang="zh-CN"/>
+          </a:p>
+          <a:p>
+            <a:r>
+              <a:rPr lang="en-US" altLang="zh-CN"/>
+              <a:t>aclVersion: ACL version</a:t>
+            </a:r>
+            <a:endParaRPr lang="en-US" altLang="zh-CN"/>
+          </a:p>
+          <a:p>
+            <a:r>
+              <a:rPr lang="en-US" altLang="zh-CN"/>
+              <a:t>ephemeralOwner:  ephemeral Owner</a:t>
+            </a:r>
+            <a:endParaRPr lang="en-US" altLang="zh-CN"/>
+          </a:p>
+          <a:p>
+            <a:r>
+              <a:rPr lang="en-US" altLang="zh-CN"/>
+              <a:t>data length: data length of current node.</a:t>
+            </a:r>
+            <a:endParaRPr lang="en-US" altLang="zh-CN"/>
+          </a:p>
+          <a:p>
+            <a:r>
+              <a:rPr lang="en-US" altLang="zh-CN"/>
+              <a:t>numChildren: number of children of current node.</a:t>
+            </a:r>
+            <a:endParaRPr lang="en-US" altLang="zh-CN"/>
+          </a:p>
+          <a:p>
+            <a:endParaRPr lang="en-US" altLang="zh-CN"/>
+          </a:p>
+          <a:p>
+            <a:endParaRPr lang="en-US" altLang="zh-CN"/>
+          </a:p>
+        </p:txBody>
+      </p:sp>
+    </p:spTree>
+  </p:cSld>
+  <p:clrMapOvr>
+    <a:masterClrMapping/>
+  </p:clrMapOvr>
+</p:notes>
+</file>
+
+<file path=ppt/notesSlides/notesSlide6.xml><?xml version="1.0" encoding="utf-8"?>
 <p:notes xmlns:a="http://schemas.openxmlformats.org/drawingml/2006/main" xmlns:r="http://schemas.openxmlformats.org/officeDocument/2006/relationships" xmlns:p="http://schemas.openxmlformats.org/presentationml/2006/main">
   <p:cSld>
     <p:spTree>
@@ -3607,7 +3814,7 @@
 </p:sld>
 </file>
 
-<file path=ppt/slides/slide2.xml><?xml version="1.0" encoding="utf-8"?>
+<file path=ppt/slides/slide10.xml><?xml version="1.0" encoding="utf-8"?>
 <p:sld xmlns:a="http://schemas.openxmlformats.org/drawingml/2006/main" xmlns:r="http://schemas.openxmlformats.org/officeDocument/2006/relationships" xmlns:p="http://schemas.openxmlformats.org/presentationml/2006/main">
   <p:cSld>
     <p:spTree>
@@ -3633,7 +3840,7 @@
           <a:p>
             <a:r>
               <a:rPr lang="en-US" altLang="zh-CN"/>
-              <a:t>Agenda</a:t>
+              <a:t>Data Model</a:t>
             </a:r>
             <a:endParaRPr lang="en-US" altLang="zh-CN"/>
           </a:p>
@@ -3653,6 +3860,10 @@
         <p:txBody>
           <a:bodyPr/>
           <a:p>
+            <a:r>
+              <a:rPr lang="zh-CN" altLang="en-US"/>
+              <a:t>Each node has an Access Control List (ACL) that restricts who can do what.</a:t>
+            </a:r>
             <a:endParaRPr lang="zh-CN" altLang="en-US"/>
           </a:p>
         </p:txBody>
@@ -3665,7 +3876,7 @@
 </p:sld>
 </file>
 
-<file path=ppt/slides/slide3.xml><?xml version="1.0" encoding="utf-8"?>
+<file path=ppt/slides/slide11.xml><?xml version="1.0" encoding="utf-8"?>
 <p:sld xmlns:a="http://schemas.openxmlformats.org/drawingml/2006/main" xmlns:r="http://schemas.openxmlformats.org/officeDocument/2006/relationships" xmlns:p="http://schemas.openxmlformats.org/presentationml/2006/main">
   <p:cSld>
     <p:spTree>
@@ -3691,7 +3902,7 @@
           <a:p>
             <a:r>
               <a:rPr lang="en-US" altLang="zh-CN"/>
-              <a:t>Zookeeper</a:t>
+              <a:t>ZNode</a:t>
             </a:r>
             <a:endParaRPr lang="en-US" altLang="zh-CN"/>
           </a:p>
@@ -3723,8 +3934,8 @@
 </p:sld>
 </file>
 
-<file path=ppt/slides/slide4.xml><?xml version="1.0" encoding="utf-8"?>
-<p:sld xmlns:a="http://schemas.openxmlformats.org/drawingml/2006/main" xmlns:r="http://schemas.openxmlformats.org/officeDocument/2006/relationships" xmlns:p="http://schemas.openxmlformats.org/presentationml/2006/main">
+<file path=ppt/slides/slide12.xml><?xml version="1.0" encoding="utf-8"?>
+<p:sld xmlns:a="http://schemas.openxmlformats.org/drawingml/2006/main" xmlns:r="http://schemas.openxmlformats.org/officeDocument/2006/relationships" xmlns:p="http://schemas.openxmlformats.org/presentationml/2006/main" show="0">
   <p:cSld>
     <p:spTree>
       <p:nvGrpSpPr>
@@ -3755,15 +3966,39 @@
           </a:p>
         </p:txBody>
       </p:sp>
+      <p:sp>
+        <p:nvSpPr>
+          <p:cNvPr id="11" name="内容占位符 10"/>
+          <p:cNvSpPr/>
+          <p:nvPr>
+            <p:ph idx="1"/>
+          </p:nvPr>
+        </p:nvSpPr>
+        <p:spPr/>
+        <p:txBody>
+          <a:bodyPr/>
+          <a:p>
+            <a:r>
+              <a:rPr lang="en-US" altLang="zh-CN"/>
+              <a:t>/bin</a:t>
+            </a:r>
+            <a:endParaRPr lang="en-US" altLang="zh-CN"/>
+          </a:p>
+          <a:p>
+            <a:endParaRPr lang="en-US" altLang="zh-CN"/>
+          </a:p>
+          <a:p>
+            <a:endParaRPr lang="en-US" altLang="zh-CN"/>
+          </a:p>
+        </p:txBody>
+      </p:sp>
       <p:pic>
         <p:nvPicPr>
-          <p:cNvPr id="4" name="内容占位符 3"/>
+          <p:cNvPr id="12" name="内容占位符 3"/>
           <p:cNvPicPr>
             <a:picLocks noChangeAspect="1"/>
           </p:cNvPicPr>
-          <p:nvPr>
-            <p:ph idx="1"/>
-          </p:nvPr>
+          <p:nvPr/>
         </p:nvPicPr>
         <p:blipFill>
           <a:blip r:embed="rId1"/>
@@ -3773,7 +4008,7 @@
         </p:blipFill>
         <p:spPr>
           <a:xfrm>
-            <a:off x="838200" y="1691005"/>
+            <a:off x="3028950" y="2709545"/>
             <a:ext cx="6134100" cy="2343150"/>
           </a:xfrm>
           <a:prstGeom prst="rect">
@@ -3786,10 +4021,97 @@
   <p:clrMapOvr>
     <a:masterClrMapping/>
   </p:clrMapOvr>
+  <p:transition/>
 </p:sld>
 </file>
 
-<file path=ppt/slides/slide5.xml><?xml version="1.0" encoding="utf-8"?>
+<file path=ppt/slides/slide13.xml><?xml version="1.0" encoding="utf-8"?>
+<p:sld xmlns:a="http://schemas.openxmlformats.org/drawingml/2006/main" xmlns:r="http://schemas.openxmlformats.org/officeDocument/2006/relationships" xmlns:p="http://schemas.openxmlformats.org/presentationml/2006/main" show="0">
+  <p:cSld>
+    <p:spTree>
+      <p:nvGrpSpPr>
+        <p:cNvPr id="1" name=""/>
+        <p:cNvGrpSpPr/>
+        <p:nvPr/>
+      </p:nvGrpSpPr>
+      <p:grpSpPr/>
+      <p:sp>
+        <p:nvSpPr>
+          <p:cNvPr id="2" name="标题 1"/>
+          <p:cNvSpPr>
+            <a:spLocks noGrp="1"/>
+          </p:cNvSpPr>
+          <p:nvPr>
+            <p:ph type="title"/>
+          </p:nvPr>
+        </p:nvSpPr>
+        <p:spPr/>
+        <p:txBody>
+          <a:bodyPr/>
+          <a:p>
+            <a:r>
+              <a:rPr lang="en-US" altLang="zh-CN"/>
+              <a:t>Zookeeper</a:t>
+            </a:r>
+            <a:endParaRPr lang="en-US" altLang="zh-CN"/>
+          </a:p>
+        </p:txBody>
+      </p:sp>
+      <p:sp>
+        <p:nvSpPr>
+          <p:cNvPr id="3" name="内容占位符 2"/>
+          <p:cNvSpPr>
+            <a:spLocks noGrp="1"/>
+          </p:cNvSpPr>
+          <p:nvPr>
+            <p:ph idx="1"/>
+          </p:nvPr>
+        </p:nvSpPr>
+        <p:spPr/>
+        <p:txBody>
+          <a:bodyPr/>
+          <a:p>
+            <a:r>
+              <a:rPr lang="en-US" altLang="zh-CN"/>
+              <a:t>/conf</a:t>
+            </a:r>
+            <a:endParaRPr lang="en-US" altLang="zh-CN"/>
+          </a:p>
+          <a:p>
+            <a:pPr lvl="1"/>
+            <a:r>
+              <a:rPr lang="zh-CN" altLang="en-US" sz="2400"/>
+              <a:t>配置文件</a:t>
+            </a:r>
+            <a:endParaRPr lang="en-US" altLang="zh-CN"/>
+          </a:p>
+          <a:p>
+            <a:r>
+              <a:rPr lang="en-US" altLang="zh-CN"/>
+              <a:t>/contrib</a:t>
+            </a:r>
+            <a:endParaRPr lang="en-US" altLang="zh-CN"/>
+          </a:p>
+          <a:p>
+            <a:pPr lvl="1"/>
+            <a:r>
+              <a:rPr lang="zh-CN" altLang="en-US"/>
+              <a:t>附加功能</a:t>
+            </a:r>
+            <a:endParaRPr lang="zh-CN" altLang="en-US"/>
+          </a:p>
+        </p:txBody>
+      </p:sp>
+    </p:spTree>
+  </p:cSld>
+  <p:clrMapOvr>
+    <a:masterClrMapping/>
+  </p:clrMapOvr>
+  <p:transition/>
+</p:sld>
+</file>
+
+<file path=ppt/slides/slide14.xml><?xml version="1.0" encoding="utf-8"?>
 <p:sld xmlns:a="http://schemas.openxmlformats.org/drawingml/2006/main" xmlns:r="http://schemas.openxmlformats.org/officeDocument/2006/relationships" xmlns:p="http://schemas.openxmlformats.org/presentationml/2006/main">
   <p:cSld>
     <p:spTree>
@@ -3885,6 +4207,516 @@
 </p:sld>
 </file>
 
+<file path=ppt/slides/slide15.xml><?xml version="1.0" encoding="utf-8"?>
+<p:sld xmlns:a="http://schemas.openxmlformats.org/drawingml/2006/main" xmlns:r="http://schemas.openxmlformats.org/officeDocument/2006/relationships" xmlns:p="http://schemas.openxmlformats.org/presentationml/2006/main">
+  <p:cSld>
+    <p:spTree>
+      <p:nvGrpSpPr>
+        <p:cNvPr id="1" name=""/>
+        <p:cNvGrpSpPr/>
+        <p:nvPr/>
+      </p:nvGrpSpPr>
+      <p:grpSpPr/>
+      <p:sp>
+        <p:nvSpPr>
+          <p:cNvPr id="2" name="标题 1"/>
+          <p:cNvSpPr>
+            <a:spLocks noGrp="1"/>
+          </p:cNvSpPr>
+          <p:nvPr>
+            <p:ph type="title"/>
+          </p:nvPr>
+        </p:nvSpPr>
+        <p:spPr/>
+        <p:txBody>
+          <a:bodyPr/>
+          <a:p>
+            <a:endParaRPr lang="zh-CN" altLang="en-US"/>
+          </a:p>
+        </p:txBody>
+      </p:sp>
+      <p:sp>
+        <p:nvSpPr>
+          <p:cNvPr id="3" name="内容占位符 2"/>
+          <p:cNvSpPr>
+            <a:spLocks noGrp="1"/>
+          </p:cNvSpPr>
+          <p:nvPr>
+            <p:ph idx="1"/>
+          </p:nvPr>
+        </p:nvSpPr>
+        <p:spPr/>
+        <p:txBody>
+          <a:bodyPr/>
+          <a:p>
+            <a:endParaRPr lang="zh-CN" altLang="en-US"/>
+          </a:p>
+        </p:txBody>
+      </p:sp>
+    </p:spTree>
+  </p:cSld>
+  <p:clrMapOvr>
+    <a:masterClrMapping/>
+  </p:clrMapOvr>
+</p:sld>
+</file>
+
+<file path=ppt/slides/slide16.xml><?xml version="1.0" encoding="utf-8"?>
+<p:sld xmlns:a="http://schemas.openxmlformats.org/drawingml/2006/main" xmlns:r="http://schemas.openxmlformats.org/officeDocument/2006/relationships" xmlns:p="http://schemas.openxmlformats.org/presentationml/2006/main">
+  <p:cSld>
+    <p:spTree>
+      <p:nvGrpSpPr>
+        <p:cNvPr id="1" name=""/>
+        <p:cNvGrpSpPr/>
+        <p:nvPr/>
+      </p:nvGrpSpPr>
+      <p:grpSpPr/>
+      <p:sp>
+        <p:nvSpPr>
+          <p:cNvPr id="2" name="标题 1"/>
+          <p:cNvSpPr>
+            <a:spLocks noGrp="1"/>
+          </p:cNvSpPr>
+          <p:nvPr>
+            <p:ph type="title"/>
+          </p:nvPr>
+        </p:nvSpPr>
+        <p:spPr/>
+        <p:txBody>
+          <a:bodyPr/>
+          <a:p>
+            <a:endParaRPr lang="zh-CN" altLang="en-US"/>
+          </a:p>
+        </p:txBody>
+      </p:sp>
+      <p:sp>
+        <p:nvSpPr>
+          <p:cNvPr id="3" name="内容占位符 2"/>
+          <p:cNvSpPr>
+            <a:spLocks noGrp="1"/>
+          </p:cNvSpPr>
+          <p:nvPr>
+            <p:ph idx="1"/>
+          </p:nvPr>
+        </p:nvSpPr>
+        <p:spPr/>
+        <p:txBody>
+          <a:bodyPr/>
+          <a:p>
+            <a:endParaRPr lang="zh-CN" altLang="en-US"/>
+          </a:p>
+        </p:txBody>
+      </p:sp>
+    </p:spTree>
+  </p:cSld>
+  <p:clrMapOvr>
+    <a:masterClrMapping/>
+  </p:clrMapOvr>
+</p:sld>
+</file>
+
+<file path=ppt/slides/slide17.xml><?xml version="1.0" encoding="utf-8"?>
+<p:sld xmlns:a="http://schemas.openxmlformats.org/drawingml/2006/main" xmlns:r="http://schemas.openxmlformats.org/officeDocument/2006/relationships" xmlns:p="http://schemas.openxmlformats.org/presentationml/2006/main">
+  <p:cSld>
+    <p:spTree>
+      <p:nvGrpSpPr>
+        <p:cNvPr id="1" name=""/>
+        <p:cNvGrpSpPr/>
+        <p:nvPr/>
+      </p:nvGrpSpPr>
+      <p:grpSpPr/>
+      <p:sp>
+        <p:nvSpPr>
+          <p:cNvPr id="2" name="标题 1"/>
+          <p:cNvSpPr>
+            <a:spLocks noGrp="1"/>
+          </p:cNvSpPr>
+          <p:nvPr>
+            <p:ph type="title"/>
+          </p:nvPr>
+        </p:nvSpPr>
+        <p:spPr/>
+        <p:txBody>
+          <a:bodyPr/>
+          <a:p>
+            <a:endParaRPr lang="zh-CN" altLang="en-US"/>
+          </a:p>
+        </p:txBody>
+      </p:sp>
+      <p:sp>
+        <p:nvSpPr>
+          <p:cNvPr id="3" name="内容占位符 2"/>
+          <p:cNvSpPr>
+            <a:spLocks noGrp="1"/>
+          </p:cNvSpPr>
+          <p:nvPr>
+            <p:ph idx="1"/>
+          </p:nvPr>
+        </p:nvSpPr>
+        <p:spPr/>
+        <p:txBody>
+          <a:bodyPr/>
+          <a:p>
+            <a:endParaRPr lang="zh-CN" altLang="en-US"/>
+          </a:p>
+        </p:txBody>
+      </p:sp>
+    </p:spTree>
+  </p:cSld>
+  <p:clrMapOvr>
+    <a:masterClrMapping/>
+  </p:clrMapOvr>
+</p:sld>
+</file>
+
+<file path=ppt/slides/slide18.xml><?xml version="1.0" encoding="utf-8"?>
+<p:sld xmlns:a="http://schemas.openxmlformats.org/drawingml/2006/main" xmlns:r="http://schemas.openxmlformats.org/officeDocument/2006/relationships" xmlns:p="http://schemas.openxmlformats.org/presentationml/2006/main">
+  <p:cSld>
+    <p:spTree>
+      <p:nvGrpSpPr>
+        <p:cNvPr id="1" name=""/>
+        <p:cNvGrpSpPr/>
+        <p:nvPr/>
+      </p:nvGrpSpPr>
+      <p:grpSpPr/>
+      <p:sp>
+        <p:nvSpPr>
+          <p:cNvPr id="2" name="标题 1"/>
+          <p:cNvSpPr>
+            <a:spLocks noGrp="1"/>
+          </p:cNvSpPr>
+          <p:nvPr>
+            <p:ph type="title"/>
+          </p:nvPr>
+        </p:nvSpPr>
+        <p:spPr/>
+        <p:txBody>
+          <a:bodyPr/>
+          <a:p>
+            <a:endParaRPr lang="zh-CN" altLang="en-US"/>
+          </a:p>
+        </p:txBody>
+      </p:sp>
+      <p:sp>
+        <p:nvSpPr>
+          <p:cNvPr id="3" name="内容占位符 2"/>
+          <p:cNvSpPr>
+            <a:spLocks noGrp="1"/>
+          </p:cNvSpPr>
+          <p:nvPr>
+            <p:ph idx="1"/>
+          </p:nvPr>
+        </p:nvSpPr>
+        <p:spPr/>
+        <p:txBody>
+          <a:bodyPr/>
+          <a:p>
+            <a:endParaRPr lang="zh-CN" altLang="en-US"/>
+          </a:p>
+        </p:txBody>
+      </p:sp>
+    </p:spTree>
+  </p:cSld>
+  <p:clrMapOvr>
+    <a:masterClrMapping/>
+  </p:clrMapOvr>
+</p:sld>
+</file>
+
+<file path=ppt/slides/slide2.xml><?xml version="1.0" encoding="utf-8"?>
+<p:sld xmlns:a="http://schemas.openxmlformats.org/drawingml/2006/main" xmlns:r="http://schemas.openxmlformats.org/officeDocument/2006/relationships" xmlns:p="http://schemas.openxmlformats.org/presentationml/2006/main">
+  <p:cSld>
+    <p:spTree>
+      <p:nvGrpSpPr>
+        <p:cNvPr id="1" name=""/>
+        <p:cNvGrpSpPr/>
+        <p:nvPr/>
+      </p:nvGrpSpPr>
+      <p:grpSpPr/>
+      <p:sp>
+        <p:nvSpPr>
+          <p:cNvPr id="2" name="标题 1"/>
+          <p:cNvSpPr>
+            <a:spLocks noGrp="1"/>
+          </p:cNvSpPr>
+          <p:nvPr>
+            <p:ph type="title"/>
+          </p:nvPr>
+        </p:nvSpPr>
+        <p:spPr/>
+        <p:txBody>
+          <a:bodyPr/>
+          <a:p>
+            <a:r>
+              <a:rPr lang="en-US" altLang="zh-CN"/>
+              <a:t>Agenda</a:t>
+            </a:r>
+            <a:endParaRPr lang="en-US" altLang="zh-CN"/>
+          </a:p>
+        </p:txBody>
+      </p:sp>
+      <p:sp>
+        <p:nvSpPr>
+          <p:cNvPr id="3" name="内容占位符 2"/>
+          <p:cNvSpPr>
+            <a:spLocks noGrp="1"/>
+          </p:cNvSpPr>
+          <p:nvPr>
+            <p:ph idx="1"/>
+          </p:nvPr>
+        </p:nvSpPr>
+        <p:spPr/>
+        <p:txBody>
+          <a:bodyPr/>
+          <a:p>
+            <a:r>
+              <a:rPr lang="en-US" altLang="zh-CN"/>
+              <a:t>Distributed System</a:t>
+            </a:r>
+            <a:endParaRPr lang="en-US" altLang="zh-CN"/>
+          </a:p>
+          <a:p>
+            <a:endParaRPr lang="en-US" altLang="zh-CN"/>
+          </a:p>
+          <a:p>
+            <a:r>
+              <a:rPr lang="en-US" altLang="zh-CN"/>
+              <a:t>Zookeeper Overview</a:t>
+            </a:r>
+            <a:endParaRPr lang="en-US" altLang="zh-CN"/>
+          </a:p>
+        </p:txBody>
+      </p:sp>
+    </p:spTree>
+  </p:cSld>
+  <p:clrMapOvr>
+    <a:masterClrMapping/>
+  </p:clrMapOvr>
+</p:sld>
+</file>
+
+<file path=ppt/slides/slide3.xml><?xml version="1.0" encoding="utf-8"?>
+<p:sld xmlns:a="http://schemas.openxmlformats.org/drawingml/2006/main" xmlns:r="http://schemas.openxmlformats.org/officeDocument/2006/relationships" xmlns:p="http://schemas.openxmlformats.org/presentationml/2006/main">
+  <p:cSld>
+    <p:spTree>
+      <p:nvGrpSpPr>
+        <p:cNvPr id="1" name=""/>
+        <p:cNvGrpSpPr/>
+        <p:nvPr/>
+      </p:nvGrpSpPr>
+      <p:grpSpPr/>
+      <p:sp>
+        <p:nvSpPr>
+          <p:cNvPr id="2" name="标题 1"/>
+          <p:cNvSpPr>
+            <a:spLocks noGrp="1"/>
+          </p:cNvSpPr>
+          <p:nvPr>
+            <p:ph type="title"/>
+          </p:nvPr>
+        </p:nvSpPr>
+        <p:spPr/>
+        <p:txBody>
+          <a:bodyPr/>
+          <a:p>
+            <a:r>
+              <a:rPr lang="en-US" altLang="zh-CN"/>
+              <a:t>Distributed System</a:t>
+            </a:r>
+            <a:endParaRPr lang="en-US" altLang="zh-CN"/>
+          </a:p>
+        </p:txBody>
+      </p:sp>
+      <p:sp>
+        <p:nvSpPr>
+          <p:cNvPr id="3" name="内容占位符 2"/>
+          <p:cNvSpPr>
+            <a:spLocks noGrp="1"/>
+          </p:cNvSpPr>
+          <p:nvPr>
+            <p:ph idx="1"/>
+          </p:nvPr>
+        </p:nvSpPr>
+        <p:spPr/>
+        <p:txBody>
+          <a:bodyPr/>
+          <a:p>
+            <a:r>
+              <a:rPr lang="zh-CN" altLang="en-US"/>
+              <a:t>多台服务器组成一个整体，可以统一对外处理同一请求</a:t>
+            </a:r>
+            <a:endParaRPr lang="zh-CN" altLang="en-US"/>
+          </a:p>
+          <a:p>
+            <a:endParaRPr lang="zh-CN" altLang="en-US"/>
+          </a:p>
+          <a:p>
+            <a:r>
+              <a:rPr lang="zh-CN" altLang="en-US"/>
+              <a:t>内部服务器都可以相互通信（</a:t>
+            </a:r>
+            <a:r>
+              <a:rPr lang="en-US" altLang="zh-CN"/>
+              <a:t>RPC/HTTP)</a:t>
+            </a:r>
+            <a:endParaRPr lang="en-US" altLang="zh-CN"/>
+          </a:p>
+          <a:p>
+            <a:endParaRPr lang="en-US" altLang="zh-CN"/>
+          </a:p>
+          <a:p>
+            <a:r>
+              <a:rPr lang="zh-CN" altLang="en-US"/>
+              <a:t>客户端到服务端的一次请求到响应结束会经历多台服务器</a:t>
+            </a:r>
+            <a:endParaRPr lang="zh-CN" altLang="en-US"/>
+          </a:p>
+        </p:txBody>
+      </p:sp>
+    </p:spTree>
+  </p:cSld>
+  <p:clrMapOvr>
+    <a:masterClrMapping/>
+  </p:clrMapOvr>
+</p:sld>
+</file>
+
+<file path=ppt/slides/slide4.xml><?xml version="1.0" encoding="utf-8"?>
+<p:sld xmlns:a="http://schemas.openxmlformats.org/drawingml/2006/main" xmlns:r="http://schemas.openxmlformats.org/officeDocument/2006/relationships" xmlns:p="http://schemas.openxmlformats.org/presentationml/2006/main">
+  <p:cSld>
+    <p:spTree>
+      <p:nvGrpSpPr>
+        <p:cNvPr id="1" name=""/>
+        <p:cNvGrpSpPr/>
+        <p:nvPr/>
+      </p:nvGrpSpPr>
+      <p:grpSpPr/>
+      <p:sp>
+        <p:nvSpPr>
+          <p:cNvPr id="2" name="标题 1"/>
+          <p:cNvSpPr>
+            <a:spLocks noGrp="1"/>
+          </p:cNvSpPr>
+          <p:nvPr>
+            <p:ph type="title"/>
+          </p:nvPr>
+        </p:nvSpPr>
+        <p:spPr/>
+        <p:txBody>
+          <a:bodyPr/>
+          <a:p>
+            <a:r>
+              <a:rPr lang="en-US" altLang="zh-CN"/>
+              <a:t>Distributed System</a:t>
+            </a:r>
+            <a:endParaRPr lang="en-US" altLang="zh-CN"/>
+          </a:p>
+        </p:txBody>
+      </p:sp>
+      <p:pic>
+        <p:nvPicPr>
+          <p:cNvPr id="5" name="图片 4" descr="68747470733a2f2f63646e2e6e6c61726b2e636f6d2f6c61726b2f302f323031382f706e672f31383836322f313534353239363738313233312d34303239646139632d383830332d343361342d616332662d3663386231653265613434382e706e67"/>
+          <p:cNvPicPr>
+            <a:picLocks noChangeAspect="1"/>
+          </p:cNvPicPr>
+          <p:nvPr/>
+        </p:nvPicPr>
+        <p:blipFill>
+          <a:blip r:embed="rId1"/>
+          <a:stretch>
+            <a:fillRect/>
+          </a:stretch>
+        </p:blipFill>
+        <p:spPr>
+          <a:xfrm>
+            <a:off x="3514725" y="1832610"/>
+            <a:ext cx="5162550" cy="4324350"/>
+          </a:xfrm>
+          <a:prstGeom prst="rect">
+            <a:avLst/>
+          </a:prstGeom>
+        </p:spPr>
+      </p:pic>
+    </p:spTree>
+  </p:cSld>
+  <p:clrMapOvr>
+    <a:masterClrMapping/>
+  </p:clrMapOvr>
+</p:sld>
+</file>
+
+<file path=ppt/slides/slide5.xml><?xml version="1.0" encoding="utf-8"?>
+<p:sld xmlns:a="http://schemas.openxmlformats.org/drawingml/2006/main" xmlns:r="http://schemas.openxmlformats.org/officeDocument/2006/relationships" xmlns:p="http://schemas.openxmlformats.org/presentationml/2006/main">
+  <p:cSld>
+    <p:spTree>
+      <p:nvGrpSpPr>
+        <p:cNvPr id="1" name=""/>
+        <p:cNvGrpSpPr/>
+        <p:nvPr/>
+      </p:nvGrpSpPr>
+      <p:grpSpPr/>
+      <p:sp>
+        <p:nvSpPr>
+          <p:cNvPr id="2" name="标题 1"/>
+          <p:cNvSpPr>
+            <a:spLocks noGrp="1"/>
+          </p:cNvSpPr>
+          <p:nvPr>
+            <p:ph type="title"/>
+          </p:nvPr>
+        </p:nvSpPr>
+        <p:spPr/>
+        <p:txBody>
+          <a:bodyPr/>
+          <a:p>
+            <a:r>
+              <a:rPr lang="en-US" altLang="zh-CN"/>
+              <a:t>Zookeeper</a:t>
+            </a:r>
+            <a:endParaRPr lang="en-US" altLang="zh-CN"/>
+          </a:p>
+        </p:txBody>
+      </p:sp>
+      <p:sp>
+        <p:nvSpPr>
+          <p:cNvPr id="3" name="内容占位符 2"/>
+          <p:cNvSpPr>
+            <a:spLocks noGrp="1"/>
+          </p:cNvSpPr>
+          <p:nvPr>
+            <p:ph idx="1"/>
+          </p:nvPr>
+        </p:nvSpPr>
+        <p:spPr/>
+        <p:txBody>
+          <a:bodyPr/>
+          <a:p>
+            <a:r>
+              <a:rPr lang="zh-CN" altLang="en-US"/>
+              <a:t>Apache ZooKeeper is an effort to develop and maintain an open-source server which enables highly reliable distributed coordination.</a:t>
+            </a:r>
+            <a:endParaRPr lang="zh-CN" altLang="en-US"/>
+          </a:p>
+          <a:p>
+            <a:endParaRPr lang="zh-CN" altLang="en-US"/>
+          </a:p>
+          <a:p>
+            <a:r>
+              <a:rPr lang="zh-CN" altLang="en-US"/>
+              <a:t>ZooKeeper is a centralized service for maintaining configuration information, naming, providing distributed synchronization, and providing group services.</a:t>
+            </a:r>
+            <a:endParaRPr lang="zh-CN" altLang="en-US"/>
+          </a:p>
+        </p:txBody>
+      </p:sp>
+    </p:spTree>
+  </p:cSld>
+  <p:clrMapOvr>
+    <a:masterClrMapping/>
+  </p:clrMapOvr>
+</p:sld>
+</file>
+
 <file path=ppt/slides/slide6.xml><?xml version="1.0" encoding="utf-8"?>
 <p:sld xmlns:a="http://schemas.openxmlformats.org/drawingml/2006/main" xmlns:r="http://schemas.openxmlformats.org/officeDocument/2006/relationships" xmlns:p="http://schemas.openxmlformats.org/presentationml/2006/main">
   <p:cSld>
@@ -3909,7 +4741,11 @@
         <p:txBody>
           <a:bodyPr/>
           <a:p>
-            <a:endParaRPr lang="zh-CN" altLang="en-US"/>
+            <a:r>
+              <a:rPr lang="en-US" altLang="zh-CN"/>
+              <a:t>Zookeeper Guarantees</a:t>
+            </a:r>
+            <a:endParaRPr lang="en-US" altLang="zh-CN"/>
           </a:p>
         </p:txBody>
       </p:sp>
@@ -3925,8 +4761,78 @@
         </p:nvSpPr>
         <p:spPr/>
         <p:txBody>
-          <a:bodyPr/>
-          <a:p>
+          <a:bodyPr>
+            <a:normAutofit lnSpcReduction="10000"/>
+          </a:bodyPr>
+          <a:p>
+            <a:r>
+              <a:rPr lang="zh-CN" altLang="en-US"/>
+              <a:t>顺序一致性： 数据一致性，数据按照顺序，分批入库</a:t>
+            </a:r>
+            <a:endParaRPr lang="zh-CN" altLang="en-US"/>
+          </a:p>
+          <a:p>
+            <a:endParaRPr lang="zh-CN" altLang="en-US"/>
+          </a:p>
+          <a:p>
+            <a:r>
+              <a:rPr lang="zh-CN" altLang="en-US"/>
+              <a:t>原子性： 事务要么成功，要么失败</a:t>
+            </a:r>
+            <a:endParaRPr lang="zh-CN" altLang="en-US"/>
+          </a:p>
+          <a:p>
+            <a:endParaRPr lang="zh-CN" altLang="en-US"/>
+          </a:p>
+          <a:p>
+            <a:r>
+              <a:rPr lang="zh-CN" altLang="en-US"/>
+              <a:t>单一视图：连接集群中</a:t>
+            </a:r>
+            <a:r>
+              <a:rPr lang="en-US" altLang="zh-CN"/>
+              <a:t>ZK</a:t>
+            </a:r>
+            <a:r>
+              <a:rPr lang="zh-CN" altLang="en-US"/>
+              <a:t>任一节点，数据都是一致的</a:t>
+            </a:r>
+            <a:endParaRPr lang="zh-CN" altLang="en-US"/>
+          </a:p>
+          <a:p>
+            <a:endParaRPr lang="zh-CN" altLang="en-US"/>
+          </a:p>
+          <a:p>
+            <a:r>
+              <a:rPr lang="zh-CN" altLang="en-US"/>
+              <a:t>可靠性：每次</a:t>
+            </a:r>
+            <a:r>
+              <a:rPr lang="en-US" altLang="zh-CN"/>
+              <a:t>ZK</a:t>
+            </a:r>
+            <a:r>
+              <a:rPr lang="zh-CN" altLang="en-US"/>
+              <a:t>操作的状态都会存储在服务端</a:t>
+            </a:r>
+            <a:endParaRPr lang="zh-CN" altLang="en-US"/>
+          </a:p>
+          <a:p>
+            <a:endParaRPr lang="zh-CN" altLang="en-US"/>
+          </a:p>
+          <a:p>
+            <a:r>
+              <a:rPr lang="zh-CN" altLang="en-US"/>
+              <a:t>实时性：客户端可以读取到</a:t>
+            </a:r>
+            <a:r>
+              <a:rPr lang="en-US" altLang="zh-CN"/>
+              <a:t>ZK</a:t>
+            </a:r>
+            <a:r>
+              <a:rPr lang="zh-CN" altLang="en-US"/>
+              <a:t>服务端的最新数据</a:t>
+            </a:r>
             <a:endParaRPr lang="zh-CN" altLang="en-US"/>
           </a:p>
         </p:txBody>
@@ -3963,7 +4869,11 @@
         <p:txBody>
           <a:bodyPr/>
           <a:p>
-            <a:endParaRPr lang="zh-CN" altLang="en-US"/>
+            <a:r>
+              <a:rPr lang="en-US" altLang="zh-CN"/>
+              <a:t>Data Model</a:t>
+            </a:r>
+            <a:endParaRPr lang="en-US" altLang="zh-CN"/>
           </a:p>
         </p:txBody>
       </p:sp>
@@ -3981,10 +4891,55 @@
         <p:txBody>
           <a:bodyPr/>
           <a:p>
-            <a:endParaRPr lang="zh-CN" altLang="en-US"/>
-          </a:p>
-        </p:txBody>
-      </p:sp>
+            <a:r>
+              <a:rPr lang="zh-CN" altLang="en-US"/>
+              <a:t>The name space provided by ZooKeeper is much like that of a standard file system. </a:t>
+            </a:r>
+            <a:endParaRPr lang="zh-CN" altLang="en-US"/>
+          </a:p>
+          <a:p>
+            <a:r>
+              <a:rPr lang="zh-CN" altLang="en-US"/>
+              <a:t>A name is a sequence of path elements separated by a slash (/). </a:t>
+            </a:r>
+            <a:endParaRPr lang="zh-CN" altLang="en-US"/>
+          </a:p>
+          <a:p>
+            <a:r>
+              <a:rPr lang="zh-CN" altLang="en-US"/>
+              <a:t>Every node in ZooKeeper's name space is identified by a path.</a:t>
+            </a:r>
+            <a:endParaRPr lang="zh-CN" altLang="en-US"/>
+          </a:p>
+          <a:p>
+            <a:endParaRPr lang="zh-CN" altLang="en-US"/>
+          </a:p>
+        </p:txBody>
+      </p:sp>
+      <p:pic>
+        <p:nvPicPr>
+          <p:cNvPr id="4" name="图片 3" descr="zknamespace"/>
+          <p:cNvPicPr>
+            <a:picLocks noChangeAspect="1"/>
+          </p:cNvPicPr>
+          <p:nvPr/>
+        </p:nvPicPr>
+        <p:blipFill>
+          <a:blip r:embed="rId1"/>
+          <a:stretch>
+            <a:fillRect/>
+          </a:stretch>
+        </p:blipFill>
+        <p:spPr>
+          <a:xfrm>
+            <a:off x="4065905" y="3733165"/>
+            <a:ext cx="3802380" cy="2176780"/>
+          </a:xfrm>
+          <a:prstGeom prst="rect">
+            <a:avLst/>
+          </a:prstGeom>
+        </p:spPr>
+      </p:pic>
     </p:spTree>
   </p:cSld>
   <p:clrMapOvr>
@@ -4017,7 +4972,11 @@
         <p:txBody>
           <a:bodyPr/>
           <a:p>
-            <a:endParaRPr lang="zh-CN" altLang="en-US"/>
+            <a:r>
+              <a:rPr lang="en-US" altLang="zh-CN"/>
+              <a:t>Data Model</a:t>
+            </a:r>
+            <a:endParaRPr lang="en-US" altLang="zh-CN"/>
           </a:p>
         </p:txBody>
       </p:sp>
@@ -4035,6 +4994,46 @@
         <p:txBody>
           <a:bodyPr/>
           <a:p>
+            <a:r>
+              <a:rPr lang="zh-CN" altLang="en-US"/>
+              <a:t>We use the term znode to make it clear that we are talking about ZooKeeper data nodes.</a:t>
+            </a:r>
+            <a:endParaRPr lang="zh-CN" altLang="en-US"/>
+          </a:p>
+          <a:p>
+            <a:endParaRPr lang="zh-CN" altLang="en-US"/>
+          </a:p>
+          <a:p>
+            <a:r>
+              <a:rPr lang="zh-CN" altLang="en-US"/>
+              <a:t>ZooKeeper was designed to store coordination data: status information, configuration, location information, etc., so the data stored at each node is </a:t>
+            </a:r>
+            <a:r>
+              <a:rPr lang="zh-CN" altLang="en-US">
+                <a:solidFill>
+                  <a:srgbClr val="00B050"/>
+                </a:solidFill>
+              </a:rPr>
+              <a:t>usually small</a:t>
+            </a:r>
+            <a:r>
+              <a:rPr lang="zh-CN" altLang="en-US"/>
+              <a:t>, in the byte to kilobyte range.</a:t>
+            </a:r>
+            <a:endParaRPr lang="zh-CN" altLang="en-US"/>
+          </a:p>
+          <a:p>
+            <a:endParaRPr lang="zh-CN" altLang="en-US"/>
+          </a:p>
+          <a:p>
+            <a:r>
+              <a:rPr lang="en-US" altLang="zh-CN"/>
+              <a:t>E</a:t>
+            </a:r>
+            <a:r>
+              <a:rPr lang="zh-CN" altLang="en-US"/>
+              <a:t>ach node in a ZooKeeper namespace can have data associated with it as well as children</a:t>
+            </a:r>
             <a:endParaRPr lang="zh-CN" altLang="en-US"/>
           </a:p>
         </p:txBody>
@@ -4071,7 +5070,11 @@
         <p:txBody>
           <a:bodyPr/>
           <a:p>
-            <a:endParaRPr lang="zh-CN" altLang="en-US"/>
+            <a:r>
+              <a:rPr lang="en-US" altLang="zh-CN"/>
+              <a:t>Data Model</a:t>
+            </a:r>
+            <a:endParaRPr lang="en-US" altLang="zh-CN"/>
           </a:p>
         </p:txBody>
       </p:sp>
@@ -4089,6 +5092,30 @@
         <p:txBody>
           <a:bodyPr/>
           <a:p>
+            <a:r>
+              <a:rPr lang="zh-CN" altLang="en-US"/>
+              <a:t>ZooKeeper also has the notion of ephemeral nodes. These znodes exists as long as the session that created the znode is active.</a:t>
+            </a:r>
+            <a:endParaRPr lang="zh-CN" altLang="en-US"/>
+          </a:p>
+          <a:p>
+            <a:endParaRPr lang="zh-CN" altLang="en-US"/>
+          </a:p>
+          <a:p>
+            <a:r>
+              <a:rPr lang="zh-CN" altLang="en-US"/>
+              <a:t>Znodes maintain a stat structure that includes version numbers for data changes, ACL changes, and timestamps, to allow cache validations and coordinated updates.</a:t>
+            </a:r>
+            <a:endParaRPr lang="zh-CN" altLang="en-US"/>
+          </a:p>
+          <a:p>
+            <a:endParaRPr lang="zh-CN" altLang="en-US"/>
+          </a:p>
+          <a:p>
+            <a:r>
+              <a:rPr lang="zh-CN" altLang="en-US"/>
+              <a:t>节点数据发生化，版本号会改变，修改版本号不符节点会报错</a:t>
+            </a:r>
             <a:endParaRPr lang="zh-CN" altLang="en-US"/>
           </a:p>
         </p:txBody>
